--- a/images/process/process.pptx
+++ b/images/process/process.pptx
@@ -3506,7 +3506,7 @@
           <a:p>
             <a:fld id="{189242B5-CB5C-4B11-A48F-2B9A24490117}" type="datetimeFigureOut">
               <a:rPr lang="en-US" smtClean="0"/>
-              <a:t>7/8/2019</a:t>
+              <a:t>7/11/2019</a:t>
             </a:fld>
             <a:endParaRPr lang="en-US"/>
           </a:p>
@@ -3676,7 +3676,7 @@
           <a:p>
             <a:fld id="{189242B5-CB5C-4B11-A48F-2B9A24490117}" type="datetimeFigureOut">
               <a:rPr lang="en-US" smtClean="0"/>
-              <a:t>7/8/2019</a:t>
+              <a:t>7/11/2019</a:t>
             </a:fld>
             <a:endParaRPr lang="en-US"/>
           </a:p>
@@ -3856,7 +3856,7 @@
           <a:p>
             <a:fld id="{189242B5-CB5C-4B11-A48F-2B9A24490117}" type="datetimeFigureOut">
               <a:rPr lang="en-US" smtClean="0"/>
-              <a:t>7/8/2019</a:t>
+              <a:t>7/11/2019</a:t>
             </a:fld>
             <a:endParaRPr lang="en-US"/>
           </a:p>
@@ -4026,7 +4026,7 @@
           <a:p>
             <a:fld id="{189242B5-CB5C-4B11-A48F-2B9A24490117}" type="datetimeFigureOut">
               <a:rPr lang="en-US" smtClean="0"/>
-              <a:t>7/8/2019</a:t>
+              <a:t>7/11/2019</a:t>
             </a:fld>
             <a:endParaRPr lang="en-US"/>
           </a:p>
@@ -4270,7 +4270,7 @@
           <a:p>
             <a:fld id="{189242B5-CB5C-4B11-A48F-2B9A24490117}" type="datetimeFigureOut">
               <a:rPr lang="en-US" smtClean="0"/>
-              <a:t>7/8/2019</a:t>
+              <a:t>7/11/2019</a:t>
             </a:fld>
             <a:endParaRPr lang="en-US"/>
           </a:p>
@@ -4502,7 +4502,7 @@
           <a:p>
             <a:fld id="{189242B5-CB5C-4B11-A48F-2B9A24490117}" type="datetimeFigureOut">
               <a:rPr lang="en-US" smtClean="0"/>
-              <a:t>7/8/2019</a:t>
+              <a:t>7/11/2019</a:t>
             </a:fld>
             <a:endParaRPr lang="en-US"/>
           </a:p>
@@ -4869,7 +4869,7 @@
           <a:p>
             <a:fld id="{189242B5-CB5C-4B11-A48F-2B9A24490117}" type="datetimeFigureOut">
               <a:rPr lang="en-US" smtClean="0"/>
-              <a:t>7/8/2019</a:t>
+              <a:t>7/11/2019</a:t>
             </a:fld>
             <a:endParaRPr lang="en-US"/>
           </a:p>
@@ -4987,7 +4987,7 @@
           <a:p>
             <a:fld id="{189242B5-CB5C-4B11-A48F-2B9A24490117}" type="datetimeFigureOut">
               <a:rPr lang="en-US" smtClean="0"/>
-              <a:t>7/8/2019</a:t>
+              <a:t>7/11/2019</a:t>
             </a:fld>
             <a:endParaRPr lang="en-US"/>
           </a:p>
@@ -5082,7 +5082,7 @@
           <a:p>
             <a:fld id="{189242B5-CB5C-4B11-A48F-2B9A24490117}" type="datetimeFigureOut">
               <a:rPr lang="en-US" smtClean="0"/>
-              <a:t>7/8/2019</a:t>
+              <a:t>7/11/2019</a:t>
             </a:fld>
             <a:endParaRPr lang="en-US"/>
           </a:p>
@@ -5359,7 +5359,7 @@
           <a:p>
             <a:fld id="{189242B5-CB5C-4B11-A48F-2B9A24490117}" type="datetimeFigureOut">
               <a:rPr lang="en-US" smtClean="0"/>
-              <a:t>7/8/2019</a:t>
+              <a:t>7/11/2019</a:t>
             </a:fld>
             <a:endParaRPr lang="en-US"/>
           </a:p>
@@ -5616,7 +5616,7 @@
           <a:p>
             <a:fld id="{189242B5-CB5C-4B11-A48F-2B9A24490117}" type="datetimeFigureOut">
               <a:rPr lang="en-US" smtClean="0"/>
-              <a:t>7/8/2019</a:t>
+              <a:t>7/11/2019</a:t>
             </a:fld>
             <a:endParaRPr lang="en-US"/>
           </a:p>
@@ -5829,7 +5829,7 @@
           <a:p>
             <a:fld id="{189242B5-CB5C-4B11-A48F-2B9A24490117}" type="datetimeFigureOut">
               <a:rPr lang="en-US" smtClean="0"/>
-              <a:t>7/8/2019</a:t>
+              <a:t>7/11/2019</a:t>
             </a:fld>
             <a:endParaRPr lang="en-US"/>
           </a:p>
@@ -6249,33 +6249,30 @@
         <p:spPr>
           <a:xfrm>
             <a:off x="491540" y="914059"/>
-            <a:ext cx="1443157" cy="374571"/>
+            <a:ext cx="1415772" cy="404039"/>
           </a:xfrm>
-          <a:prstGeom prst="roundRect">
+          <a:prstGeom prst="foldedCorner">
             <a:avLst/>
           </a:prstGeom>
-          <a:noFill/>
-          <a:ln w="28575">
-            <a:solidFill>
-              <a:schemeClr val="accent5">
-                <a:lumMod val="60000"/>
-                <a:lumOff val="40000"/>
-              </a:schemeClr>
-            </a:solidFill>
+          <a:solidFill>
+            <a:schemeClr val="accent5"/>
+          </a:solidFill>
+          <a:ln>
+            <a:noFill/>
           </a:ln>
         </p:spPr>
         <p:style>
-          <a:lnRef idx="1">
-            <a:schemeClr val="accent6"/>
+          <a:lnRef idx="0">
+            <a:scrgbClr r="0" g="0" b="0"/>
           </a:lnRef>
-          <a:fillRef idx="2">
-            <a:schemeClr val="accent6"/>
+          <a:fillRef idx="0">
+            <a:scrgbClr r="0" g="0" b="0"/>
           </a:fillRef>
-          <a:effectRef idx="1">
-            <a:schemeClr val="accent6"/>
+          <a:effectRef idx="0">
+            <a:scrgbClr r="0" g="0" b="0"/>
           </a:effectRef>
           <a:fontRef idx="minor">
-            <a:schemeClr val="dk1"/>
+            <a:schemeClr val="lt1"/>
           </a:fontRef>
         </p:style>
         <p:txBody>
@@ -6313,33 +6310,30 @@
         <p:spPr>
           <a:xfrm>
             <a:off x="2705725" y="914400"/>
-            <a:ext cx="1443157" cy="374571"/>
+            <a:ext cx="1415772" cy="404039"/>
           </a:xfrm>
-          <a:prstGeom prst="roundRect">
+          <a:prstGeom prst="foldedCorner">
             <a:avLst/>
           </a:prstGeom>
-          <a:noFill/>
-          <a:ln w="28575">
-            <a:solidFill>
-              <a:schemeClr val="accent5">
-                <a:lumMod val="60000"/>
-                <a:lumOff val="40000"/>
-              </a:schemeClr>
-            </a:solidFill>
+          <a:solidFill>
+            <a:schemeClr val="accent5"/>
+          </a:solidFill>
+          <a:ln>
+            <a:noFill/>
           </a:ln>
         </p:spPr>
         <p:style>
-          <a:lnRef idx="1">
-            <a:schemeClr val="accent6"/>
+          <a:lnRef idx="0">
+            <a:scrgbClr r="0" g="0" b="0"/>
           </a:lnRef>
-          <a:fillRef idx="2">
-            <a:schemeClr val="accent6"/>
+          <a:fillRef idx="0">
+            <a:scrgbClr r="0" g="0" b="0"/>
           </a:fillRef>
-          <a:effectRef idx="1">
-            <a:schemeClr val="accent6"/>
+          <a:effectRef idx="0">
+            <a:scrgbClr r="0" g="0" b="0"/>
           </a:effectRef>
           <a:fontRef idx="minor">
-            <a:schemeClr val="dk1"/>
+            <a:schemeClr val="lt1"/>
           </a:fontRef>
         </p:style>
         <p:txBody>
@@ -6377,33 +6371,30 @@
         <p:spPr>
           <a:xfrm>
             <a:off x="4919910" y="914400"/>
-            <a:ext cx="2050971" cy="374571"/>
+            <a:ext cx="2031325" cy="404039"/>
           </a:xfrm>
-          <a:prstGeom prst="roundRect">
+          <a:prstGeom prst="foldedCorner">
             <a:avLst/>
           </a:prstGeom>
-          <a:noFill/>
-          <a:ln w="28575">
-            <a:solidFill>
-              <a:schemeClr val="accent5">
-                <a:lumMod val="60000"/>
-                <a:lumOff val="40000"/>
-              </a:schemeClr>
-            </a:solidFill>
+          <a:solidFill>
+            <a:schemeClr val="accent5"/>
+          </a:solidFill>
+          <a:ln>
+            <a:noFill/>
           </a:ln>
         </p:spPr>
         <p:style>
-          <a:lnRef idx="1">
-            <a:schemeClr val="accent6"/>
+          <a:lnRef idx="0">
+            <a:scrgbClr r="0" g="0" b="0"/>
           </a:lnRef>
-          <a:fillRef idx="2">
-            <a:schemeClr val="accent6"/>
+          <a:fillRef idx="0">
+            <a:scrgbClr r="0" g="0" b="0"/>
           </a:fillRef>
-          <a:effectRef idx="1">
-            <a:schemeClr val="accent6"/>
+          <a:effectRef idx="0">
+            <a:scrgbClr r="0" g="0" b="0"/>
           </a:effectRef>
           <a:fontRef idx="minor">
-            <a:schemeClr val="dk1"/>
+            <a:schemeClr val="lt1"/>
           </a:fontRef>
         </p:style>
         <p:txBody>
@@ -6441,33 +6432,30 @@
         <p:spPr>
           <a:xfrm>
             <a:off x="7749648" y="914059"/>
-            <a:ext cx="1034574" cy="374571"/>
+            <a:ext cx="1005403" cy="404039"/>
           </a:xfrm>
-          <a:prstGeom prst="roundRect">
+          <a:prstGeom prst="foldedCorner">
             <a:avLst/>
           </a:prstGeom>
-          <a:noFill/>
-          <a:ln w="28575">
-            <a:solidFill>
-              <a:schemeClr val="accent5">
-                <a:lumMod val="60000"/>
-                <a:lumOff val="40000"/>
-              </a:schemeClr>
-            </a:solidFill>
+          <a:solidFill>
+            <a:schemeClr val="accent5"/>
+          </a:solidFill>
+          <a:ln>
+            <a:noFill/>
           </a:ln>
         </p:spPr>
         <p:style>
-          <a:lnRef idx="1">
-            <a:schemeClr val="accent6"/>
+          <a:lnRef idx="0">
+            <a:scrgbClr r="0" g="0" b="0"/>
           </a:lnRef>
-          <a:fillRef idx="2">
-            <a:schemeClr val="accent6"/>
+          <a:fillRef idx="0">
+            <a:scrgbClr r="0" g="0" b="0"/>
           </a:fillRef>
-          <a:effectRef idx="1">
-            <a:schemeClr val="accent6"/>
+          <a:effectRef idx="0">
+            <a:scrgbClr r="0" g="0" b="0"/>
           </a:effectRef>
           <a:fontRef idx="minor">
-            <a:schemeClr val="dk1"/>
+            <a:schemeClr val="lt1"/>
           </a:fontRef>
         </p:style>
         <p:txBody>
@@ -6505,33 +6493,30 @@
         <p:spPr>
           <a:xfrm>
             <a:off x="491540" y="2191322"/>
-            <a:ext cx="2258139" cy="374571"/>
+            <a:ext cx="2236510" cy="404039"/>
           </a:xfrm>
-          <a:prstGeom prst="roundRect">
+          <a:prstGeom prst="foldedCorner">
             <a:avLst/>
           </a:prstGeom>
-          <a:noFill/>
-          <a:ln w="28575">
-            <a:solidFill>
-              <a:schemeClr val="accent5">
-                <a:lumMod val="60000"/>
-                <a:lumOff val="40000"/>
-              </a:schemeClr>
-            </a:solidFill>
+          <a:solidFill>
+            <a:srgbClr val="00DA63"/>
+          </a:solidFill>
+          <a:ln>
+            <a:noFill/>
           </a:ln>
         </p:spPr>
         <p:style>
-          <a:lnRef idx="1">
-            <a:schemeClr val="accent6"/>
+          <a:lnRef idx="0">
+            <a:scrgbClr r="0" g="0" b="0"/>
           </a:lnRef>
-          <a:fillRef idx="2">
-            <a:schemeClr val="accent6"/>
+          <a:fillRef idx="0">
+            <a:scrgbClr r="0" g="0" b="0"/>
           </a:fillRef>
-          <a:effectRef idx="1">
-            <a:schemeClr val="accent6"/>
+          <a:effectRef idx="0">
+            <a:scrgbClr r="0" g="0" b="0"/>
           </a:effectRef>
           <a:fontRef idx="minor">
-            <a:schemeClr val="dk1"/>
+            <a:schemeClr val="lt1"/>
           </a:fontRef>
         </p:style>
         <p:txBody>
@@ -6556,7 +6541,7 @@
       </p:sp>
       <p:sp>
         <p:nvSpPr>
-          <p:cNvPr id="11" name="矩形: 圆角 10">
+          <p:cNvPr id="11" name="矩形: 折角 10">
             <a:extLst>
               <a:ext uri="{FF2B5EF4-FFF2-40B4-BE49-F238E27FC236}">
                 <a16:creationId xmlns:a16="http://schemas.microsoft.com/office/drawing/2014/main" id="{2F4CAA91-A4AA-46E0-9306-14AA0B92CF31}"/>
@@ -6569,33 +6554,30 @@
         <p:spPr>
           <a:xfrm>
             <a:off x="3119363" y="2191665"/>
-            <a:ext cx="2050971" cy="374571"/>
+            <a:ext cx="2031325" cy="404039"/>
           </a:xfrm>
-          <a:prstGeom prst="roundRect">
+          <a:prstGeom prst="foldedCorner">
             <a:avLst/>
           </a:prstGeom>
-          <a:noFill/>
-          <a:ln w="28575">
-            <a:solidFill>
-              <a:schemeClr val="accent5">
-                <a:lumMod val="60000"/>
-                <a:lumOff val="40000"/>
-              </a:schemeClr>
-            </a:solidFill>
+          <a:solidFill>
+            <a:srgbClr val="00DA63"/>
+          </a:solidFill>
+          <a:ln>
+            <a:noFill/>
           </a:ln>
         </p:spPr>
         <p:style>
-          <a:lnRef idx="1">
-            <a:schemeClr val="accent6"/>
+          <a:lnRef idx="0">
+            <a:scrgbClr r="0" g="0" b="0"/>
           </a:lnRef>
-          <a:fillRef idx="2">
-            <a:schemeClr val="accent6"/>
+          <a:fillRef idx="0">
+            <a:scrgbClr r="0" g="0" b="0"/>
           </a:fillRef>
-          <a:effectRef idx="1">
-            <a:schemeClr val="accent6"/>
+          <a:effectRef idx="0">
+            <a:scrgbClr r="0" g="0" b="0"/>
           </a:effectRef>
           <a:fontRef idx="minor">
-            <a:schemeClr val="dk1"/>
+            <a:schemeClr val="lt1"/>
           </a:fontRef>
         </p:style>
         <p:txBody>
@@ -6620,7 +6602,7 @@
       </p:sp>
       <p:sp>
         <p:nvSpPr>
-          <p:cNvPr id="12" name="矩形: 圆角 11">
+          <p:cNvPr id="12" name="矩形: 折角 11">
             <a:extLst>
               <a:ext uri="{FF2B5EF4-FFF2-40B4-BE49-F238E27FC236}">
                 <a16:creationId xmlns:a16="http://schemas.microsoft.com/office/drawing/2014/main" id="{27777A50-B6DA-4B11-908A-592A1D0727CB}"/>
@@ -6633,33 +6615,30 @@
         <p:spPr>
           <a:xfrm>
             <a:off x="5540018" y="2191665"/>
-            <a:ext cx="629563" cy="374571"/>
+            <a:ext cx="595035" cy="404039"/>
           </a:xfrm>
-          <a:prstGeom prst="roundRect">
+          <a:prstGeom prst="foldedCorner">
             <a:avLst/>
           </a:prstGeom>
-          <a:noFill/>
-          <a:ln w="28575">
-            <a:solidFill>
-              <a:schemeClr val="accent5">
-                <a:lumMod val="60000"/>
-                <a:lumOff val="40000"/>
-              </a:schemeClr>
-            </a:solidFill>
+          <a:solidFill>
+            <a:srgbClr val="00DA63"/>
+          </a:solidFill>
+          <a:ln>
+            <a:noFill/>
           </a:ln>
         </p:spPr>
         <p:style>
-          <a:lnRef idx="1">
-            <a:schemeClr val="accent6"/>
+          <a:lnRef idx="0">
+            <a:scrgbClr r="0" g="0" b="0"/>
           </a:lnRef>
-          <a:fillRef idx="2">
-            <a:schemeClr val="accent6"/>
+          <a:fillRef idx="0">
+            <a:scrgbClr r="0" g="0" b="0"/>
           </a:fillRef>
-          <a:effectRef idx="1">
-            <a:schemeClr val="accent6"/>
+          <a:effectRef idx="0">
+            <a:scrgbClr r="0" g="0" b="0"/>
           </a:effectRef>
           <a:fontRef idx="minor">
-            <a:schemeClr val="dk1"/>
+            <a:schemeClr val="lt1"/>
           </a:fontRef>
         </p:style>
         <p:txBody>
@@ -6684,7 +6663,7 @@
       </p:sp>
       <p:sp>
         <p:nvSpPr>
-          <p:cNvPr id="13" name="矩形: 圆角 12">
+          <p:cNvPr id="13" name="矩形: 折角 12">
             <a:extLst>
               <a:ext uri="{FF2B5EF4-FFF2-40B4-BE49-F238E27FC236}">
                 <a16:creationId xmlns:a16="http://schemas.microsoft.com/office/drawing/2014/main" id="{CC89C0C9-8BA1-49CC-8EAF-F7C49124A6CF}"/>
@@ -6697,33 +6676,30 @@
         <p:spPr>
           <a:xfrm>
             <a:off x="6539265" y="2191665"/>
-            <a:ext cx="629563" cy="374571"/>
+            <a:ext cx="595035" cy="404039"/>
           </a:xfrm>
-          <a:prstGeom prst="roundRect">
+          <a:prstGeom prst="foldedCorner">
             <a:avLst/>
           </a:prstGeom>
-          <a:noFill/>
-          <a:ln w="28575">
-            <a:solidFill>
-              <a:schemeClr val="accent5">
-                <a:lumMod val="60000"/>
-                <a:lumOff val="40000"/>
-              </a:schemeClr>
-            </a:solidFill>
+          <a:solidFill>
+            <a:srgbClr val="00DA63"/>
+          </a:solidFill>
+          <a:ln>
+            <a:noFill/>
           </a:ln>
         </p:spPr>
         <p:style>
-          <a:lnRef idx="1">
-            <a:schemeClr val="accent6"/>
+          <a:lnRef idx="0">
+            <a:scrgbClr r="0" g="0" b="0"/>
           </a:lnRef>
-          <a:fillRef idx="2">
-            <a:schemeClr val="accent6"/>
+          <a:fillRef idx="0">
+            <a:scrgbClr r="0" g="0" b="0"/>
           </a:fillRef>
-          <a:effectRef idx="1">
-            <a:schemeClr val="accent6"/>
+          <a:effectRef idx="0">
+            <a:scrgbClr r="0" g="0" b="0"/>
           </a:effectRef>
           <a:fontRef idx="minor">
-            <a:schemeClr val="dk1"/>
+            <a:schemeClr val="lt1"/>
           </a:fontRef>
         </p:style>
         <p:txBody>
@@ -6748,7 +6724,7 @@
       </p:sp>
       <p:sp>
         <p:nvSpPr>
-          <p:cNvPr id="14" name="矩形: 圆角 13">
+          <p:cNvPr id="14" name="矩形: 折角 13">
             <a:extLst>
               <a:ext uri="{FF2B5EF4-FFF2-40B4-BE49-F238E27FC236}">
                 <a16:creationId xmlns:a16="http://schemas.microsoft.com/office/drawing/2014/main" id="{62883594-F772-4E7D-8AED-425B26FBA717}"/>
@@ -6761,33 +6737,30 @@
         <p:spPr>
           <a:xfrm>
             <a:off x="7538511" y="2193117"/>
-            <a:ext cx="1245711" cy="374571"/>
+            <a:ext cx="1210588" cy="404039"/>
           </a:xfrm>
-          <a:prstGeom prst="roundRect">
+          <a:prstGeom prst="foldedCorner">
             <a:avLst/>
           </a:prstGeom>
-          <a:noFill/>
-          <a:ln w="28575">
-            <a:solidFill>
-              <a:schemeClr val="accent5">
-                <a:lumMod val="60000"/>
-                <a:lumOff val="40000"/>
-              </a:schemeClr>
-            </a:solidFill>
+          <a:solidFill>
+            <a:srgbClr val="00DA63"/>
+          </a:solidFill>
+          <a:ln>
+            <a:noFill/>
           </a:ln>
         </p:spPr>
         <p:style>
-          <a:lnRef idx="1">
-            <a:schemeClr val="accent6"/>
+          <a:lnRef idx="0">
+            <a:scrgbClr r="0" g="0" b="0"/>
           </a:lnRef>
-          <a:fillRef idx="2">
-            <a:schemeClr val="accent6"/>
+          <a:fillRef idx="0">
+            <a:scrgbClr r="0" g="0" b="0"/>
           </a:fillRef>
-          <a:effectRef idx="1">
-            <a:schemeClr val="accent6"/>
+          <a:effectRef idx="0">
+            <a:scrgbClr r="0" g="0" b="0"/>
           </a:effectRef>
           <a:fontRef idx="minor">
-            <a:schemeClr val="dk1"/>
+            <a:schemeClr val="lt1"/>
           </a:fontRef>
         </p:style>
         <p:txBody>
@@ -6825,33 +6798,30 @@
         <p:spPr>
           <a:xfrm>
             <a:off x="491541" y="3469271"/>
-            <a:ext cx="1034574" cy="374571"/>
+            <a:ext cx="1005403" cy="404039"/>
           </a:xfrm>
-          <a:prstGeom prst="roundRect">
+          <a:prstGeom prst="foldedCorner">
             <a:avLst/>
           </a:prstGeom>
-          <a:noFill/>
-          <a:ln w="28575">
-            <a:solidFill>
-              <a:schemeClr val="accent5">
-                <a:lumMod val="60000"/>
-                <a:lumOff val="40000"/>
-              </a:schemeClr>
-            </a:solidFill>
+          <a:solidFill>
+            <a:schemeClr val="accent4"/>
+          </a:solidFill>
+          <a:ln>
+            <a:noFill/>
           </a:ln>
         </p:spPr>
         <p:style>
-          <a:lnRef idx="1">
-            <a:schemeClr val="accent6"/>
+          <a:lnRef idx="0">
+            <a:scrgbClr r="0" g="0" b="0"/>
           </a:lnRef>
-          <a:fillRef idx="2">
-            <a:schemeClr val="accent6"/>
+          <a:fillRef idx="0">
+            <a:scrgbClr r="0" g="0" b="0"/>
           </a:fillRef>
-          <a:effectRef idx="1">
-            <a:schemeClr val="accent6"/>
+          <a:effectRef idx="0">
+            <a:scrgbClr r="0" g="0" b="0"/>
           </a:effectRef>
           <a:fontRef idx="minor">
-            <a:schemeClr val="dk1"/>
+            <a:schemeClr val="lt1"/>
           </a:fontRef>
         </p:style>
         <p:txBody>
@@ -6889,33 +6859,30 @@
         <p:spPr>
           <a:xfrm>
             <a:off x="2229124" y="3469271"/>
-            <a:ext cx="1034574" cy="374571"/>
+            <a:ext cx="1005403" cy="404039"/>
           </a:xfrm>
-          <a:prstGeom prst="roundRect">
+          <a:prstGeom prst="foldedCorner">
             <a:avLst/>
           </a:prstGeom>
-          <a:noFill/>
-          <a:ln w="28575">
-            <a:solidFill>
-              <a:schemeClr val="accent5">
-                <a:lumMod val="60000"/>
-                <a:lumOff val="40000"/>
-              </a:schemeClr>
-            </a:solidFill>
+          <a:solidFill>
+            <a:schemeClr val="accent4"/>
+          </a:solidFill>
+          <a:ln>
+            <a:noFill/>
           </a:ln>
         </p:spPr>
         <p:style>
-          <a:lnRef idx="1">
-            <a:schemeClr val="accent6"/>
+          <a:lnRef idx="0">
+            <a:scrgbClr r="0" g="0" b="0"/>
           </a:lnRef>
-          <a:fillRef idx="2">
-            <a:schemeClr val="accent6"/>
+          <a:fillRef idx="0">
+            <a:scrgbClr r="0" g="0" b="0"/>
           </a:fillRef>
-          <a:effectRef idx="1">
-            <a:schemeClr val="accent6"/>
+          <a:effectRef idx="0">
+            <a:scrgbClr r="0" g="0" b="0"/>
           </a:effectRef>
           <a:fontRef idx="minor">
-            <a:schemeClr val="dk1"/>
+            <a:schemeClr val="lt1"/>
           </a:fontRef>
         </p:style>
         <p:txBody>
@@ -6953,33 +6920,30 @@
         <p:spPr>
           <a:xfrm>
             <a:off x="3966707" y="3469271"/>
-            <a:ext cx="1443157" cy="374571"/>
+            <a:ext cx="1415772" cy="404039"/>
           </a:xfrm>
-          <a:prstGeom prst="roundRect">
+          <a:prstGeom prst="foldedCorner">
             <a:avLst/>
           </a:prstGeom>
-          <a:noFill/>
-          <a:ln w="28575">
-            <a:solidFill>
-              <a:schemeClr val="accent5">
-                <a:lumMod val="60000"/>
-                <a:lumOff val="40000"/>
-              </a:schemeClr>
-            </a:solidFill>
+          <a:solidFill>
+            <a:schemeClr val="accent4"/>
+          </a:solidFill>
+          <a:ln>
+            <a:noFill/>
           </a:ln>
         </p:spPr>
         <p:style>
-          <a:lnRef idx="1">
-            <a:schemeClr val="accent6"/>
+          <a:lnRef idx="0">
+            <a:scrgbClr r="0" g="0" b="0"/>
           </a:lnRef>
-          <a:fillRef idx="2">
-            <a:schemeClr val="accent6"/>
+          <a:fillRef idx="0">
+            <a:scrgbClr r="0" g="0" b="0"/>
           </a:fillRef>
-          <a:effectRef idx="1">
-            <a:schemeClr val="accent6"/>
+          <a:effectRef idx="0">
+            <a:scrgbClr r="0" g="0" b="0"/>
           </a:effectRef>
           <a:fontRef idx="minor">
-            <a:schemeClr val="dk1"/>
+            <a:schemeClr val="lt1"/>
           </a:fontRef>
         </p:style>
         <p:txBody>
@@ -7017,33 +6981,30 @@
         <p:spPr>
           <a:xfrm>
             <a:off x="6114659" y="3469271"/>
-            <a:ext cx="1034574" cy="374571"/>
+            <a:ext cx="1005403" cy="404039"/>
           </a:xfrm>
-          <a:prstGeom prst="roundRect">
+          <a:prstGeom prst="foldedCorner">
             <a:avLst/>
           </a:prstGeom>
-          <a:noFill/>
-          <a:ln w="28575">
-            <a:solidFill>
-              <a:schemeClr val="accent5">
-                <a:lumMod val="60000"/>
-                <a:lumOff val="40000"/>
-              </a:schemeClr>
-            </a:solidFill>
+          <a:solidFill>
+            <a:schemeClr val="accent4"/>
+          </a:solidFill>
+          <a:ln>
+            <a:noFill/>
           </a:ln>
         </p:spPr>
         <p:style>
-          <a:lnRef idx="1">
-            <a:schemeClr val="accent6"/>
+          <a:lnRef idx="0">
+            <a:scrgbClr r="0" g="0" b="0"/>
           </a:lnRef>
-          <a:fillRef idx="2">
-            <a:schemeClr val="accent6"/>
+          <a:fillRef idx="0">
+            <a:scrgbClr r="0" g="0" b="0"/>
           </a:fillRef>
-          <a:effectRef idx="1">
-            <a:schemeClr val="accent6"/>
+          <a:effectRef idx="0">
+            <a:scrgbClr r="0" g="0" b="0"/>
           </a:effectRef>
           <a:fontRef idx="minor">
-            <a:schemeClr val="dk1"/>
+            <a:schemeClr val="lt1"/>
           </a:fontRef>
         </p:style>
         <p:txBody>
@@ -7081,33 +7042,30 @@
         <p:spPr>
           <a:xfrm>
             <a:off x="7749648" y="3467817"/>
-            <a:ext cx="1034574" cy="374571"/>
+            <a:ext cx="1005403" cy="404039"/>
           </a:xfrm>
-          <a:prstGeom prst="roundRect">
+          <a:prstGeom prst="foldedCorner">
             <a:avLst/>
           </a:prstGeom>
-          <a:noFill/>
-          <a:ln w="28575">
-            <a:solidFill>
-              <a:schemeClr val="accent5">
-                <a:lumMod val="60000"/>
-                <a:lumOff val="40000"/>
-              </a:schemeClr>
-            </a:solidFill>
+          <a:solidFill>
+            <a:schemeClr val="accent4"/>
+          </a:solidFill>
+          <a:ln>
+            <a:noFill/>
           </a:ln>
         </p:spPr>
         <p:style>
-          <a:lnRef idx="1">
-            <a:schemeClr val="accent6"/>
+          <a:lnRef idx="0">
+            <a:scrgbClr r="0" g="0" b="0"/>
           </a:lnRef>
-          <a:fillRef idx="2">
-            <a:schemeClr val="accent6"/>
+          <a:fillRef idx="0">
+            <a:scrgbClr r="0" g="0" b="0"/>
           </a:fillRef>
-          <a:effectRef idx="1">
-            <a:schemeClr val="accent6"/>
+          <a:effectRef idx="0">
+            <a:scrgbClr r="0" g="0" b="0"/>
           </a:effectRef>
           <a:fontRef idx="minor">
-            <a:schemeClr val="dk1"/>
+            <a:schemeClr val="lt1"/>
           </a:fontRef>
         </p:style>
         <p:txBody>
@@ -7141,22 +7099,23 @@
           </p:cNvPr>
           <p:cNvCxnSpPr>
             <a:cxnSpLocks/>
+            <a:stCxn id="5" idx="3"/>
+            <a:endCxn id="6" idx="1"/>
           </p:cNvCxnSpPr>
           <p:nvPr/>
         </p:nvCxnSpPr>
         <p:spPr>
           <a:xfrm>
-            <a:off x="1934697" y="1101345"/>
-            <a:ext cx="771028" cy="341"/>
+            <a:off x="1907312" y="1116079"/>
+            <a:ext cx="798413" cy="341"/>
           </a:xfrm>
           <a:prstGeom prst="straightConnector1">
             <a:avLst/>
           </a:prstGeom>
           <a:ln w="28575">
             <a:solidFill>
-              <a:schemeClr val="accent5">
-                <a:lumMod val="60000"/>
-                <a:lumOff val="40000"/>
+              <a:schemeClr val="bg1">
+                <a:lumMod val="75000"/>
               </a:schemeClr>
             </a:solidFill>
             <a:tailEnd type="triangle"/>
@@ -7188,22 +7147,23 @@
           </p:cNvPr>
           <p:cNvCxnSpPr>
             <a:cxnSpLocks/>
+            <a:stCxn id="6" idx="3"/>
+            <a:endCxn id="7" idx="1"/>
           </p:cNvCxnSpPr>
           <p:nvPr/>
         </p:nvCxnSpPr>
         <p:spPr>
           <a:xfrm>
-            <a:off x="4148882" y="1101686"/>
-            <a:ext cx="771028" cy="0"/>
+            <a:off x="4121497" y="1116420"/>
+            <a:ext cx="798413" cy="0"/>
           </a:xfrm>
           <a:prstGeom prst="straightConnector1">
             <a:avLst/>
           </a:prstGeom>
           <a:ln w="28575">
             <a:solidFill>
-              <a:schemeClr val="accent5">
-                <a:lumMod val="60000"/>
-                <a:lumOff val="40000"/>
+              <a:schemeClr val="bg1">
+                <a:lumMod val="75000"/>
               </a:schemeClr>
             </a:solidFill>
             <a:tailEnd type="triangle"/>
@@ -7233,22 +7193,25 @@
               </a:ext>
             </a:extLst>
           </p:cNvPr>
-          <p:cNvCxnSpPr/>
+          <p:cNvCxnSpPr>
+            <a:cxnSpLocks/>
+            <a:stCxn id="7" idx="3"/>
+            <a:endCxn id="9" idx="1"/>
+          </p:cNvCxnSpPr>
           <p:nvPr/>
         </p:nvCxnSpPr>
         <p:spPr>
           <a:xfrm flipV="1">
-            <a:off x="6970881" y="1101345"/>
-            <a:ext cx="778767" cy="341"/>
+            <a:off x="6951235" y="1116079"/>
+            <a:ext cx="798413" cy="341"/>
           </a:xfrm>
           <a:prstGeom prst="straightConnector1">
             <a:avLst/>
           </a:prstGeom>
           <a:ln w="28575">
             <a:solidFill>
-              <a:schemeClr val="accent5">
-                <a:lumMod val="60000"/>
-                <a:lumOff val="40000"/>
+              <a:schemeClr val="bg1">
+                <a:lumMod val="75000"/>
               </a:schemeClr>
             </a:solidFill>
             <a:tailEnd type="triangle"/>
@@ -7278,22 +7241,27 @@
               </a:ext>
             </a:extLst>
           </p:cNvPr>
-          <p:cNvCxnSpPr/>
+          <p:cNvCxnSpPr>
+            <a:cxnSpLocks/>
+            <a:stCxn id="9" idx="2"/>
+            <a:endCxn id="10" idx="0"/>
+          </p:cNvCxnSpPr>
           <p:nvPr/>
         </p:nvCxnSpPr>
         <p:spPr>
           <a:xfrm rot="5400000">
-            <a:off x="4491089" y="-1584182"/>
-            <a:ext cx="903035" cy="6648659"/>
+            <a:off x="4494461" y="-1566567"/>
+            <a:ext cx="873224" cy="6642555"/>
           </a:xfrm>
           <a:prstGeom prst="bentConnector3">
-            <a:avLst/>
+            <a:avLst>
+              <a:gd name="adj1" fmla="val 50000"/>
+            </a:avLst>
           </a:prstGeom>
           <a:ln w="28575">
             <a:solidFill>
-              <a:schemeClr val="accent5">
-                <a:lumMod val="60000"/>
-                <a:lumOff val="40000"/>
+              <a:schemeClr val="bg1">
+                <a:lumMod val="75000"/>
               </a:schemeClr>
             </a:solidFill>
             <a:tailEnd type="triangle"/>
@@ -7325,23 +7293,23 @@
           </p:cNvPr>
           <p:cNvCxnSpPr>
             <a:cxnSpLocks/>
+            <a:stCxn id="10" idx="3"/>
             <a:endCxn id="11" idx="1"/>
           </p:cNvCxnSpPr>
           <p:nvPr/>
         </p:nvCxnSpPr>
         <p:spPr>
           <a:xfrm>
-            <a:off x="2747345" y="2378951"/>
-            <a:ext cx="372018" cy="0"/>
+            <a:off x="2728050" y="2393342"/>
+            <a:ext cx="391313" cy="343"/>
           </a:xfrm>
           <a:prstGeom prst="straightConnector1">
             <a:avLst/>
           </a:prstGeom>
           <a:ln w="28575">
             <a:solidFill>
-              <a:schemeClr val="accent5">
-                <a:lumMod val="60000"/>
-                <a:lumOff val="40000"/>
+              <a:schemeClr val="bg1">
+                <a:lumMod val="75000"/>
               </a:schemeClr>
             </a:solidFill>
             <a:tailEnd type="triangle"/>
@@ -7380,17 +7348,16 @@
         </p:nvCxnSpPr>
         <p:spPr>
           <a:xfrm>
-            <a:off x="5170334" y="2378951"/>
-            <a:ext cx="369684" cy="0"/>
+            <a:off x="5150688" y="2393685"/>
+            <a:ext cx="389330" cy="0"/>
           </a:xfrm>
           <a:prstGeom prst="straightConnector1">
             <a:avLst/>
           </a:prstGeom>
           <a:ln w="28575">
             <a:solidFill>
-              <a:schemeClr val="accent5">
-                <a:lumMod val="60000"/>
-                <a:lumOff val="40000"/>
+              <a:schemeClr val="bg1">
+                <a:lumMod val="75000"/>
               </a:schemeClr>
             </a:solidFill>
             <a:tailEnd type="triangle"/>
@@ -7429,17 +7396,16 @@
         </p:nvCxnSpPr>
         <p:spPr>
           <a:xfrm>
-            <a:off x="6169581" y="2378951"/>
-            <a:ext cx="369684" cy="0"/>
+            <a:off x="6135053" y="2393685"/>
+            <a:ext cx="404212" cy="0"/>
           </a:xfrm>
           <a:prstGeom prst="straightConnector1">
             <a:avLst/>
           </a:prstGeom>
           <a:ln w="28575">
             <a:solidFill>
-              <a:schemeClr val="accent5">
-                <a:lumMod val="60000"/>
-                <a:lumOff val="40000"/>
+              <a:schemeClr val="bg1">
+                <a:lumMod val="75000"/>
               </a:schemeClr>
             </a:solidFill>
             <a:tailEnd type="triangle"/>
@@ -7478,17 +7444,16 @@
         </p:nvCxnSpPr>
         <p:spPr>
           <a:xfrm>
-            <a:off x="7168828" y="2378951"/>
-            <a:ext cx="369683" cy="1452"/>
+            <a:off x="7134300" y="2393685"/>
+            <a:ext cx="404211" cy="1452"/>
           </a:xfrm>
           <a:prstGeom prst="straightConnector1">
             <a:avLst/>
           </a:prstGeom>
           <a:ln w="28575">
             <a:solidFill>
-              <a:schemeClr val="accent5">
-                <a:lumMod val="60000"/>
-                <a:lumOff val="40000"/>
+              <a:schemeClr val="bg1">
+                <a:lumMod val="75000"/>
               </a:schemeClr>
             </a:solidFill>
             <a:tailEnd type="triangle"/>
@@ -7520,22 +7485,25 @@
           </p:cNvPr>
           <p:cNvCxnSpPr>
             <a:cxnSpLocks/>
+            <a:stCxn id="14" idx="2"/>
+            <a:endCxn id="19" idx="0"/>
           </p:cNvCxnSpPr>
           <p:nvPr/>
         </p:nvCxnSpPr>
         <p:spPr>
           <a:xfrm rot="5400000">
-            <a:off x="4187853" y="-612789"/>
-            <a:ext cx="903035" cy="7261084"/>
+            <a:off x="4132967" y="-541568"/>
+            <a:ext cx="872115" cy="7149562"/>
           </a:xfrm>
           <a:prstGeom prst="bentConnector3">
-            <a:avLst/>
+            <a:avLst>
+              <a:gd name="adj1" fmla="val 50000"/>
+            </a:avLst>
           </a:prstGeom>
           <a:ln w="28575">
             <a:solidFill>
-              <a:schemeClr val="accent5">
-                <a:lumMod val="60000"/>
-                <a:lumOff val="40000"/>
+              <a:schemeClr val="bg1">
+                <a:lumMod val="75000"/>
               </a:schemeClr>
             </a:solidFill>
             <a:tailEnd type="triangle"/>
@@ -7565,22 +7533,25 @@
               </a:ext>
             </a:extLst>
           </p:cNvPr>
-          <p:cNvCxnSpPr/>
+          <p:cNvCxnSpPr>
+            <a:cxnSpLocks/>
+            <a:stCxn id="19" idx="3"/>
+            <a:endCxn id="20" idx="1"/>
+          </p:cNvCxnSpPr>
           <p:nvPr/>
         </p:nvCxnSpPr>
         <p:spPr>
           <a:xfrm>
-            <a:off x="1526115" y="3656557"/>
-            <a:ext cx="703009" cy="0"/>
+            <a:off x="1496944" y="3671291"/>
+            <a:ext cx="732180" cy="0"/>
           </a:xfrm>
           <a:prstGeom prst="straightConnector1">
             <a:avLst/>
           </a:prstGeom>
           <a:ln w="28575">
             <a:solidFill>
-              <a:schemeClr val="accent5">
-                <a:lumMod val="60000"/>
-                <a:lumOff val="40000"/>
+              <a:schemeClr val="bg1">
+                <a:lumMod val="75000"/>
               </a:schemeClr>
             </a:solidFill>
             <a:tailEnd type="triangle"/>
@@ -7612,22 +7583,23 @@
           </p:cNvPr>
           <p:cNvCxnSpPr>
             <a:cxnSpLocks/>
+            <a:stCxn id="20" idx="3"/>
+            <a:endCxn id="21" idx="1"/>
           </p:cNvCxnSpPr>
           <p:nvPr/>
         </p:nvCxnSpPr>
         <p:spPr>
           <a:xfrm>
-            <a:off x="3263698" y="3656557"/>
-            <a:ext cx="703009" cy="0"/>
+            <a:off x="3234527" y="3671291"/>
+            <a:ext cx="732180" cy="0"/>
           </a:xfrm>
           <a:prstGeom prst="straightConnector1">
             <a:avLst/>
           </a:prstGeom>
           <a:ln w="28575">
             <a:solidFill>
-              <a:schemeClr val="accent5">
-                <a:lumMod val="60000"/>
-                <a:lumOff val="40000"/>
+              <a:schemeClr val="bg1">
+                <a:lumMod val="75000"/>
               </a:schemeClr>
             </a:solidFill>
             <a:tailEnd type="triangle"/>
@@ -7657,22 +7629,25 @@
               </a:ext>
             </a:extLst>
           </p:cNvPr>
-          <p:cNvCxnSpPr/>
+          <p:cNvCxnSpPr>
+            <a:cxnSpLocks/>
+            <a:stCxn id="21" idx="3"/>
+            <a:endCxn id="22" idx="1"/>
+          </p:cNvCxnSpPr>
           <p:nvPr/>
         </p:nvCxnSpPr>
         <p:spPr>
           <a:xfrm>
-            <a:off x="5409864" y="3656557"/>
-            <a:ext cx="704795" cy="0"/>
+            <a:off x="5382479" y="3671291"/>
+            <a:ext cx="732180" cy="0"/>
           </a:xfrm>
           <a:prstGeom prst="straightConnector1">
             <a:avLst/>
           </a:prstGeom>
           <a:ln w="28575">
             <a:solidFill>
-              <a:schemeClr val="accent5">
-                <a:lumMod val="60000"/>
-                <a:lumOff val="40000"/>
+              <a:schemeClr val="bg1">
+                <a:lumMod val="75000"/>
               </a:schemeClr>
             </a:solidFill>
             <a:tailEnd type="triangle"/>
@@ -7704,23 +7679,23 @@
           </p:cNvPr>
           <p:cNvCxnSpPr>
             <a:cxnSpLocks/>
+            <a:stCxn id="22" idx="3"/>
             <a:endCxn id="23" idx="1"/>
           </p:cNvCxnSpPr>
           <p:nvPr/>
         </p:nvCxnSpPr>
         <p:spPr>
           <a:xfrm flipV="1">
-            <a:off x="7149233" y="3655103"/>
-            <a:ext cx="600415" cy="1454"/>
+            <a:off x="7120062" y="3669837"/>
+            <a:ext cx="629586" cy="1454"/>
           </a:xfrm>
           <a:prstGeom prst="straightConnector1">
             <a:avLst/>
           </a:prstGeom>
           <a:ln w="28575">
             <a:solidFill>
-              <a:schemeClr val="accent5">
-                <a:lumMod val="60000"/>
-                <a:lumOff val="40000"/>
+              <a:schemeClr val="bg1">
+                <a:lumMod val="75000"/>
               </a:schemeClr>
             </a:solidFill>
             <a:tailEnd type="triangle"/>
@@ -7786,33 +7761,30 @@
         <p:spPr>
           <a:xfrm>
             <a:off x="207753" y="796613"/>
-            <a:ext cx="1443157" cy="374571"/>
+            <a:ext cx="1415772" cy="404039"/>
           </a:xfrm>
-          <a:prstGeom prst="roundRect">
+          <a:prstGeom prst="foldedCorner">
             <a:avLst/>
           </a:prstGeom>
-          <a:noFill/>
-          <a:ln w="28575">
-            <a:solidFill>
-              <a:schemeClr val="accent2">
-                <a:lumMod val="60000"/>
-                <a:lumOff val="40000"/>
-              </a:schemeClr>
-            </a:solidFill>
+          <a:solidFill>
+            <a:schemeClr val="accent5"/>
+          </a:solidFill>
+          <a:ln>
+            <a:noFill/>
           </a:ln>
         </p:spPr>
         <p:style>
-          <a:lnRef idx="1">
-            <a:schemeClr val="accent6"/>
+          <a:lnRef idx="0">
+            <a:scrgbClr r="0" g="0" b="0"/>
           </a:lnRef>
-          <a:fillRef idx="2">
-            <a:schemeClr val="accent6"/>
+          <a:fillRef idx="0">
+            <a:scrgbClr r="0" g="0" b="0"/>
           </a:fillRef>
-          <a:effectRef idx="1">
-            <a:schemeClr val="accent6"/>
+          <a:effectRef idx="0">
+            <a:scrgbClr r="0" g="0" b="0"/>
           </a:effectRef>
           <a:fontRef idx="minor">
-            <a:schemeClr val="dk1"/>
+            <a:schemeClr val="lt1"/>
           </a:fontRef>
         </p:style>
         <p:txBody>
@@ -7849,34 +7821,31 @@
         </p:nvSpPr>
         <p:spPr>
           <a:xfrm>
-            <a:off x="3369364" y="711484"/>
-            <a:ext cx="1717472" cy="544830"/>
+            <a:off x="3393576" y="711484"/>
+            <a:ext cx="1669047" cy="587693"/>
           </a:xfrm>
-          <a:prstGeom prst="roundRect">
+          <a:prstGeom prst="foldedCorner">
             <a:avLst/>
           </a:prstGeom>
-          <a:noFill/>
-          <a:ln w="28575">
-            <a:solidFill>
-              <a:schemeClr val="accent2">
-                <a:lumMod val="60000"/>
-                <a:lumOff val="40000"/>
-              </a:schemeClr>
-            </a:solidFill>
+          <a:solidFill>
+            <a:schemeClr val="accent5"/>
+          </a:solidFill>
+          <a:ln>
+            <a:noFill/>
           </a:ln>
         </p:spPr>
         <p:style>
-          <a:lnRef idx="1">
-            <a:schemeClr val="accent6"/>
+          <a:lnRef idx="0">
+            <a:scrgbClr r="0" g="0" b="0"/>
           </a:lnRef>
-          <a:fillRef idx="2">
-            <a:schemeClr val="accent6"/>
+          <a:fillRef idx="0">
+            <a:scrgbClr r="0" g="0" b="0"/>
           </a:fillRef>
-          <a:effectRef idx="1">
-            <a:schemeClr val="accent6"/>
+          <a:effectRef idx="0">
+            <a:scrgbClr r="0" g="0" b="0"/>
           </a:effectRef>
           <a:fontRef idx="minor">
-            <a:schemeClr val="dk1"/>
+            <a:schemeClr val="lt1"/>
           </a:fontRef>
         </p:style>
         <p:txBody>
@@ -7939,33 +7908,30 @@
         <p:spPr>
           <a:xfrm>
             <a:off x="6545610" y="795887"/>
-            <a:ext cx="2050971" cy="374571"/>
+            <a:ext cx="2031325" cy="404039"/>
           </a:xfrm>
-          <a:prstGeom prst="roundRect">
+          <a:prstGeom prst="foldedCorner">
             <a:avLst/>
           </a:prstGeom>
-          <a:noFill/>
-          <a:ln w="28575">
-            <a:solidFill>
-              <a:schemeClr val="accent2">
-                <a:lumMod val="60000"/>
-                <a:lumOff val="40000"/>
-              </a:schemeClr>
-            </a:solidFill>
+          <a:solidFill>
+            <a:schemeClr val="accent5"/>
+          </a:solidFill>
+          <a:ln>
+            <a:noFill/>
           </a:ln>
         </p:spPr>
         <p:style>
-          <a:lnRef idx="1">
-            <a:schemeClr val="accent6"/>
+          <a:lnRef idx="0">
+            <a:scrgbClr r="0" g="0" b="0"/>
           </a:lnRef>
-          <a:fillRef idx="2">
-            <a:schemeClr val="accent6"/>
+          <a:fillRef idx="0">
+            <a:scrgbClr r="0" g="0" b="0"/>
           </a:fillRef>
-          <a:effectRef idx="1">
-            <a:schemeClr val="accent6"/>
+          <a:effectRef idx="0">
+            <a:scrgbClr r="0" g="0" b="0"/>
           </a:effectRef>
           <a:fontRef idx="minor">
-            <a:schemeClr val="dk1"/>
+            <a:schemeClr val="lt1"/>
           </a:fontRef>
         </p:style>
         <p:txBody>
@@ -8003,33 +7969,30 @@
         <p:spPr>
           <a:xfrm>
             <a:off x="210814" y="2114378"/>
-            <a:ext cx="1652310" cy="374571"/>
+            <a:ext cx="1620957" cy="404039"/>
           </a:xfrm>
-          <a:prstGeom prst="roundRect">
+          <a:prstGeom prst="foldedCorner">
             <a:avLst/>
           </a:prstGeom>
-          <a:noFill/>
-          <a:ln w="28575">
-            <a:solidFill>
-              <a:schemeClr val="accent2">
-                <a:lumMod val="60000"/>
-                <a:lumOff val="40000"/>
-              </a:schemeClr>
-            </a:solidFill>
+          <a:solidFill>
+            <a:schemeClr val="accent5"/>
+          </a:solidFill>
+          <a:ln>
+            <a:noFill/>
           </a:ln>
         </p:spPr>
         <p:style>
-          <a:lnRef idx="1">
-            <a:schemeClr val="accent6"/>
+          <a:lnRef idx="0">
+            <a:scrgbClr r="0" g="0" b="0"/>
           </a:lnRef>
-          <a:fillRef idx="2">
-            <a:schemeClr val="accent6"/>
+          <a:fillRef idx="0">
+            <a:scrgbClr r="0" g="0" b="0"/>
           </a:fillRef>
-          <a:effectRef idx="1">
-            <a:schemeClr val="accent6"/>
+          <a:effectRef idx="0">
+            <a:scrgbClr r="0" g="0" b="0"/>
           </a:effectRef>
           <a:fontRef idx="minor">
-            <a:schemeClr val="dk1"/>
+            <a:schemeClr val="lt1"/>
           </a:fontRef>
         </p:style>
         <p:txBody>
@@ -8067,33 +8030,30 @@
         <p:spPr>
           <a:xfrm>
             <a:off x="2528325" y="2114378"/>
-            <a:ext cx="1034574" cy="374571"/>
+            <a:ext cx="1005403" cy="404039"/>
           </a:xfrm>
-          <a:prstGeom prst="roundRect">
+          <a:prstGeom prst="foldedCorner">
             <a:avLst/>
           </a:prstGeom>
-          <a:noFill/>
-          <a:ln w="28575">
-            <a:solidFill>
-              <a:schemeClr val="accent2">
-                <a:lumMod val="60000"/>
-                <a:lumOff val="40000"/>
-              </a:schemeClr>
-            </a:solidFill>
+          <a:solidFill>
+            <a:schemeClr val="accent5"/>
+          </a:solidFill>
+          <a:ln>
+            <a:noFill/>
           </a:ln>
         </p:spPr>
         <p:style>
-          <a:lnRef idx="1">
-            <a:schemeClr val="accent6"/>
+          <a:lnRef idx="0">
+            <a:scrgbClr r="0" g="0" b="0"/>
           </a:lnRef>
-          <a:fillRef idx="2">
-            <a:schemeClr val="accent6"/>
+          <a:fillRef idx="0">
+            <a:scrgbClr r="0" g="0" b="0"/>
           </a:fillRef>
-          <a:effectRef idx="1">
-            <a:schemeClr val="accent6"/>
+          <a:effectRef idx="0">
+            <a:scrgbClr r="0" g="0" b="0"/>
           </a:effectRef>
           <a:fontRef idx="minor">
-            <a:schemeClr val="dk1"/>
+            <a:schemeClr val="lt1"/>
           </a:fontRef>
         </p:style>
         <p:txBody>
@@ -8118,7 +8078,7 @@
       </p:sp>
       <p:sp>
         <p:nvSpPr>
-          <p:cNvPr id="11" name="矩形: 圆角 10">
+          <p:cNvPr id="11" name="矩形: 折角 10">
             <a:extLst>
               <a:ext uri="{FF2B5EF4-FFF2-40B4-BE49-F238E27FC236}">
                 <a16:creationId xmlns:a16="http://schemas.microsoft.com/office/drawing/2014/main" id="{2F4CAA91-A4AA-46E0-9306-14AA0B92CF31}"/>
@@ -8131,33 +8091,30 @@
         <p:spPr>
           <a:xfrm>
             <a:off x="4228100" y="2114378"/>
-            <a:ext cx="1652310" cy="374571"/>
+            <a:ext cx="1620957" cy="404039"/>
           </a:xfrm>
-          <a:prstGeom prst="roundRect">
+          <a:prstGeom prst="foldedCorner">
             <a:avLst/>
           </a:prstGeom>
-          <a:noFill/>
-          <a:ln w="28575">
-            <a:solidFill>
-              <a:schemeClr val="accent2">
-                <a:lumMod val="60000"/>
-                <a:lumOff val="40000"/>
-              </a:schemeClr>
-            </a:solidFill>
+          <a:solidFill>
+            <a:srgbClr val="00DA63"/>
+          </a:solidFill>
+          <a:ln>
+            <a:noFill/>
           </a:ln>
         </p:spPr>
         <p:style>
-          <a:lnRef idx="1">
-            <a:schemeClr val="accent6"/>
+          <a:lnRef idx="0">
+            <a:scrgbClr r="0" g="0" b="0"/>
           </a:lnRef>
-          <a:fillRef idx="2">
-            <a:schemeClr val="accent6"/>
+          <a:fillRef idx="0">
+            <a:scrgbClr r="0" g="0" b="0"/>
           </a:fillRef>
-          <a:effectRef idx="1">
-            <a:schemeClr val="accent6"/>
+          <a:effectRef idx="0">
+            <a:scrgbClr r="0" g="0" b="0"/>
           </a:effectRef>
           <a:fontRef idx="minor">
-            <a:schemeClr val="dk1"/>
+            <a:schemeClr val="lt1"/>
           </a:fontRef>
         </p:style>
         <p:txBody>
@@ -8182,7 +8139,7 @@
       </p:sp>
       <p:sp>
         <p:nvSpPr>
-          <p:cNvPr id="12" name="矩形: 圆角 11">
+          <p:cNvPr id="12" name="矩形: 折角 11">
             <a:extLst>
               <a:ext uri="{FF2B5EF4-FFF2-40B4-BE49-F238E27FC236}">
                 <a16:creationId xmlns:a16="http://schemas.microsoft.com/office/drawing/2014/main" id="{27777A50-B6DA-4B11-908A-592A1D0727CB}"/>
@@ -8195,33 +8152,30 @@
         <p:spPr>
           <a:xfrm>
             <a:off x="6545611" y="2114378"/>
-            <a:ext cx="2050971" cy="374571"/>
+            <a:ext cx="2031325" cy="404039"/>
           </a:xfrm>
-          <a:prstGeom prst="roundRect">
+          <a:prstGeom prst="foldedCorner">
             <a:avLst/>
           </a:prstGeom>
-          <a:noFill/>
-          <a:ln w="28575">
-            <a:solidFill>
-              <a:schemeClr val="accent2">
-                <a:lumMod val="60000"/>
-                <a:lumOff val="40000"/>
-              </a:schemeClr>
-            </a:solidFill>
+          <a:solidFill>
+            <a:srgbClr val="00DA63"/>
+          </a:solidFill>
+          <a:ln>
+            <a:noFill/>
           </a:ln>
         </p:spPr>
         <p:style>
-          <a:lnRef idx="1">
-            <a:schemeClr val="accent6"/>
+          <a:lnRef idx="0">
+            <a:scrgbClr r="0" g="0" b="0"/>
           </a:lnRef>
-          <a:fillRef idx="2">
-            <a:schemeClr val="accent6"/>
+          <a:fillRef idx="0">
+            <a:scrgbClr r="0" g="0" b="0"/>
           </a:fillRef>
-          <a:effectRef idx="1">
-            <a:schemeClr val="accent6"/>
+          <a:effectRef idx="0">
+            <a:scrgbClr r="0" g="0" b="0"/>
           </a:effectRef>
           <a:fontRef idx="minor">
-            <a:schemeClr val="dk1"/>
+            <a:schemeClr val="lt1"/>
           </a:fontRef>
         </p:style>
         <p:txBody>
@@ -8246,7 +8200,7 @@
       </p:sp>
       <p:sp>
         <p:nvSpPr>
-          <p:cNvPr id="13" name="矩形: 圆角 12">
+          <p:cNvPr id="13" name="矩形: 折角 12">
             <a:extLst>
               <a:ext uri="{FF2B5EF4-FFF2-40B4-BE49-F238E27FC236}">
                 <a16:creationId xmlns:a16="http://schemas.microsoft.com/office/drawing/2014/main" id="{CC89C0C9-8BA1-49CC-8EAF-F7C49124A6CF}"/>
@@ -8259,33 +8213,30 @@
         <p:spPr>
           <a:xfrm>
             <a:off x="207753" y="3349054"/>
-            <a:ext cx="629563" cy="374571"/>
+            <a:ext cx="595035" cy="404039"/>
           </a:xfrm>
-          <a:prstGeom prst="roundRect">
+          <a:prstGeom prst="foldedCorner">
             <a:avLst/>
           </a:prstGeom>
-          <a:noFill/>
-          <a:ln w="28575">
-            <a:solidFill>
-              <a:schemeClr val="accent2">
-                <a:lumMod val="60000"/>
-                <a:lumOff val="40000"/>
-              </a:schemeClr>
-            </a:solidFill>
+          <a:solidFill>
+            <a:srgbClr val="00DA63"/>
+          </a:solidFill>
+          <a:ln>
+            <a:noFill/>
           </a:ln>
         </p:spPr>
         <p:style>
-          <a:lnRef idx="1">
-            <a:schemeClr val="accent6"/>
+          <a:lnRef idx="0">
+            <a:scrgbClr r="0" g="0" b="0"/>
           </a:lnRef>
-          <a:fillRef idx="2">
-            <a:schemeClr val="accent6"/>
+          <a:fillRef idx="0">
+            <a:scrgbClr r="0" g="0" b="0"/>
           </a:fillRef>
-          <a:effectRef idx="1">
-            <a:schemeClr val="accent6"/>
+          <a:effectRef idx="0">
+            <a:scrgbClr r="0" g="0" b="0"/>
           </a:effectRef>
           <a:fontRef idx="minor">
-            <a:schemeClr val="dk1"/>
+            <a:schemeClr val="lt1"/>
           </a:fontRef>
         </p:style>
         <p:txBody>
@@ -8323,33 +8274,30 @@
         <p:spPr>
           <a:xfrm>
             <a:off x="2389164" y="3349054"/>
-            <a:ext cx="1034574" cy="374571"/>
+            <a:ext cx="1005403" cy="404039"/>
           </a:xfrm>
-          <a:prstGeom prst="roundRect">
+          <a:prstGeom prst="foldedCorner">
             <a:avLst/>
           </a:prstGeom>
-          <a:noFill/>
-          <a:ln w="28575">
-            <a:solidFill>
-              <a:schemeClr val="accent2">
-                <a:lumMod val="60000"/>
-                <a:lumOff val="40000"/>
-              </a:schemeClr>
-            </a:solidFill>
+          <a:solidFill>
+            <a:srgbClr val="FFDB69"/>
+          </a:solidFill>
+          <a:ln>
+            <a:noFill/>
           </a:ln>
         </p:spPr>
         <p:style>
-          <a:lnRef idx="1">
-            <a:schemeClr val="accent6"/>
+          <a:lnRef idx="0">
+            <a:scrgbClr r="0" g="0" b="0"/>
           </a:lnRef>
-          <a:fillRef idx="2">
-            <a:schemeClr val="accent6"/>
+          <a:fillRef idx="0">
+            <a:scrgbClr r="0" g="0" b="0"/>
           </a:fillRef>
-          <a:effectRef idx="1">
-            <a:schemeClr val="accent6"/>
+          <a:effectRef idx="0">
+            <a:scrgbClr r="0" g="0" b="0"/>
           </a:effectRef>
           <a:fontRef idx="minor">
-            <a:schemeClr val="dk1"/>
+            <a:schemeClr val="lt1"/>
           </a:fontRef>
         </p:style>
         <p:txBody>
@@ -8387,33 +8335,30 @@
         <p:spPr>
           <a:xfrm>
             <a:off x="4975586" y="3351096"/>
-            <a:ext cx="1034574" cy="374571"/>
+            <a:ext cx="1005403" cy="404039"/>
           </a:xfrm>
-          <a:prstGeom prst="roundRect">
+          <a:prstGeom prst="foldedCorner">
             <a:avLst/>
           </a:prstGeom>
-          <a:noFill/>
-          <a:ln w="28575">
-            <a:solidFill>
-              <a:schemeClr val="accent2">
-                <a:lumMod val="60000"/>
-                <a:lumOff val="40000"/>
-              </a:schemeClr>
-            </a:solidFill>
+          <a:solidFill>
+            <a:srgbClr val="FFDB69"/>
+          </a:solidFill>
+          <a:ln>
+            <a:noFill/>
           </a:ln>
         </p:spPr>
         <p:style>
-          <a:lnRef idx="1">
-            <a:schemeClr val="accent6"/>
+          <a:lnRef idx="0">
+            <a:scrgbClr r="0" g="0" b="0"/>
           </a:lnRef>
-          <a:fillRef idx="2">
-            <a:schemeClr val="accent6"/>
+          <a:fillRef idx="0">
+            <a:scrgbClr r="0" g="0" b="0"/>
           </a:fillRef>
-          <a:effectRef idx="1">
-            <a:schemeClr val="accent6"/>
+          <a:effectRef idx="0">
+            <a:scrgbClr r="0" g="0" b="0"/>
           </a:effectRef>
           <a:fontRef idx="minor">
-            <a:schemeClr val="dk1"/>
+            <a:schemeClr val="lt1"/>
           </a:fontRef>
         </p:style>
         <p:txBody>
@@ -8451,33 +8396,30 @@
         <p:spPr>
           <a:xfrm>
             <a:off x="7562007" y="3349054"/>
-            <a:ext cx="1034574" cy="374571"/>
+            <a:ext cx="1005403" cy="404039"/>
           </a:xfrm>
-          <a:prstGeom prst="roundRect">
+          <a:prstGeom prst="foldedCorner">
             <a:avLst/>
           </a:prstGeom>
-          <a:noFill/>
-          <a:ln w="28575">
-            <a:solidFill>
-              <a:schemeClr val="accent2">
-                <a:lumMod val="60000"/>
-                <a:lumOff val="40000"/>
-              </a:schemeClr>
-            </a:solidFill>
+          <a:solidFill>
+            <a:srgbClr val="FFDB69"/>
+          </a:solidFill>
+          <a:ln>
+            <a:noFill/>
           </a:ln>
         </p:spPr>
         <p:style>
-          <a:lnRef idx="1">
-            <a:schemeClr val="accent6"/>
+          <a:lnRef idx="0">
+            <a:scrgbClr r="0" g="0" b="0"/>
           </a:lnRef>
-          <a:fillRef idx="2">
-            <a:schemeClr val="accent6"/>
+          <a:fillRef idx="0">
+            <a:scrgbClr r="0" g="0" b="0"/>
           </a:fillRef>
-          <a:effectRef idx="1">
-            <a:schemeClr val="accent6"/>
+          <a:effectRef idx="0">
+            <a:scrgbClr r="0" g="0" b="0"/>
           </a:effectRef>
           <a:fontRef idx="minor">
-            <a:schemeClr val="dk1"/>
+            <a:schemeClr val="lt1"/>
           </a:fontRef>
         </p:style>
         <p:txBody>
@@ -8511,24 +8453,21 @@
           </p:cNvPr>
           <p:cNvCxnSpPr>
             <a:cxnSpLocks/>
-            <a:stCxn id="5" idx="3"/>
-            <a:endCxn id="6" idx="1"/>
           </p:cNvCxnSpPr>
           <p:nvPr/>
         </p:nvCxnSpPr>
         <p:spPr>
           <a:xfrm>
-            <a:off x="1650910" y="983899"/>
-            <a:ext cx="1718454" cy="0"/>
+            <a:off x="1623525" y="998633"/>
+            <a:ext cx="1770051" cy="6698"/>
           </a:xfrm>
           <a:prstGeom prst="straightConnector1">
             <a:avLst/>
           </a:prstGeom>
           <a:ln w="28575">
             <a:solidFill>
-              <a:schemeClr val="accent2">
-                <a:lumMod val="60000"/>
-                <a:lumOff val="40000"/>
+              <a:schemeClr val="bg1">
+                <a:lumMod val="75000"/>
               </a:schemeClr>
             </a:solidFill>
             <a:tailEnd type="triangle"/>
@@ -8560,24 +8499,21 @@
           </p:cNvPr>
           <p:cNvCxnSpPr>
             <a:cxnSpLocks/>
-            <a:stCxn id="6" idx="3"/>
-            <a:endCxn id="7" idx="1"/>
           </p:cNvCxnSpPr>
           <p:nvPr/>
         </p:nvCxnSpPr>
         <p:spPr>
           <a:xfrm flipV="1">
-            <a:off x="5086836" y="983173"/>
-            <a:ext cx="1458774" cy="726"/>
+            <a:off x="5062623" y="997907"/>
+            <a:ext cx="1482987" cy="7424"/>
           </a:xfrm>
           <a:prstGeom prst="straightConnector1">
             <a:avLst/>
           </a:prstGeom>
           <a:ln w="28575">
             <a:solidFill>
-              <a:schemeClr val="accent2">
-                <a:lumMod val="60000"/>
-                <a:lumOff val="40000"/>
+              <a:schemeClr val="bg1">
+                <a:lumMod val="75000"/>
               </a:schemeClr>
             </a:solidFill>
             <a:tailEnd type="triangle"/>
@@ -8609,24 +8545,21 @@
           </p:cNvPr>
           <p:cNvCxnSpPr>
             <a:cxnSpLocks/>
-            <a:stCxn id="10" idx="3"/>
-            <a:endCxn id="11" idx="1"/>
           </p:cNvCxnSpPr>
           <p:nvPr/>
         </p:nvCxnSpPr>
         <p:spPr>
           <a:xfrm>
-            <a:off x="3562899" y="2301664"/>
-            <a:ext cx="665201" cy="0"/>
+            <a:off x="3533728" y="2316398"/>
+            <a:ext cx="694372" cy="0"/>
           </a:xfrm>
           <a:prstGeom prst="straightConnector1">
             <a:avLst/>
           </a:prstGeom>
           <a:ln w="28575">
             <a:solidFill>
-              <a:schemeClr val="accent2">
-                <a:lumMod val="60000"/>
-                <a:lumOff val="40000"/>
+              <a:schemeClr val="bg1">
+                <a:lumMod val="75000"/>
               </a:schemeClr>
             </a:solidFill>
             <a:tailEnd type="triangle"/>
@@ -8658,24 +8591,21 @@
           </p:cNvPr>
           <p:cNvCxnSpPr>
             <a:cxnSpLocks/>
-            <a:stCxn id="11" idx="3"/>
-            <a:endCxn id="12" idx="1"/>
           </p:cNvCxnSpPr>
           <p:nvPr/>
         </p:nvCxnSpPr>
         <p:spPr>
           <a:xfrm>
-            <a:off x="5880410" y="2301664"/>
-            <a:ext cx="665201" cy="0"/>
+            <a:off x="5849057" y="2316398"/>
+            <a:ext cx="696554" cy="0"/>
           </a:xfrm>
           <a:prstGeom prst="straightConnector1">
             <a:avLst/>
           </a:prstGeom>
           <a:ln w="28575">
             <a:solidFill>
-              <a:schemeClr val="accent2">
-                <a:lumMod val="60000"/>
-                <a:lumOff val="40000"/>
+              <a:schemeClr val="bg1">
+                <a:lumMod val="75000"/>
               </a:schemeClr>
             </a:solidFill>
             <a:tailEnd type="triangle"/>
@@ -8707,24 +8637,21 @@
           </p:cNvPr>
           <p:cNvCxnSpPr>
             <a:cxnSpLocks/>
-            <a:stCxn id="13" idx="3"/>
-            <a:endCxn id="19" idx="1"/>
           </p:cNvCxnSpPr>
           <p:nvPr/>
         </p:nvCxnSpPr>
         <p:spPr>
           <a:xfrm>
-            <a:off x="837316" y="3536340"/>
-            <a:ext cx="1551848" cy="0"/>
+            <a:off x="802788" y="3551074"/>
+            <a:ext cx="1586376" cy="0"/>
           </a:xfrm>
           <a:prstGeom prst="straightConnector1">
             <a:avLst/>
           </a:prstGeom>
           <a:ln w="28575">
             <a:solidFill>
-              <a:schemeClr val="accent2">
-                <a:lumMod val="60000"/>
-                <a:lumOff val="40000"/>
+              <a:schemeClr val="bg1">
+                <a:lumMod val="75000"/>
               </a:schemeClr>
             </a:solidFill>
             <a:tailEnd type="triangle"/>
@@ -8756,15 +8683,13 @@
           </p:cNvPr>
           <p:cNvCxnSpPr>
             <a:cxnSpLocks/>
-            <a:stCxn id="12" idx="2"/>
-            <a:endCxn id="13" idx="0"/>
           </p:cNvCxnSpPr>
           <p:nvPr/>
         </p:nvCxnSpPr>
         <p:spPr>
           <a:xfrm rot="5400000">
-            <a:off x="3616764" y="-605280"/>
-            <a:ext cx="860105" cy="7048562"/>
+            <a:off x="3617955" y="-594266"/>
+            <a:ext cx="830637" cy="7056003"/>
           </a:xfrm>
           <a:prstGeom prst="bentConnector3">
             <a:avLst>
@@ -8773,9 +8698,8 @@
           </a:prstGeom>
           <a:ln w="28575">
             <a:solidFill>
-              <a:schemeClr val="accent2">
-                <a:lumMod val="60000"/>
-                <a:lumOff val="40000"/>
+              <a:schemeClr val="bg1">
+                <a:lumMod val="75000"/>
               </a:schemeClr>
             </a:solidFill>
             <a:tailEnd type="triangle"/>
@@ -8807,24 +8731,21 @@
           </p:cNvPr>
           <p:cNvCxnSpPr>
             <a:cxnSpLocks/>
-            <a:stCxn id="19" idx="3"/>
-            <a:endCxn id="20" idx="1"/>
           </p:cNvCxnSpPr>
           <p:nvPr/>
         </p:nvCxnSpPr>
         <p:spPr>
           <a:xfrm>
-            <a:off x="3423738" y="3536340"/>
-            <a:ext cx="1551848" cy="2042"/>
+            <a:off x="3394567" y="3551074"/>
+            <a:ext cx="1581019" cy="2042"/>
           </a:xfrm>
           <a:prstGeom prst="straightConnector1">
             <a:avLst/>
           </a:prstGeom>
           <a:ln w="28575">
             <a:solidFill>
-              <a:schemeClr val="accent2">
-                <a:lumMod val="60000"/>
-                <a:lumOff val="40000"/>
+              <a:schemeClr val="bg1">
+                <a:lumMod val="75000"/>
               </a:schemeClr>
             </a:solidFill>
             <a:tailEnd type="triangle"/>
@@ -8856,24 +8777,21 @@
           </p:cNvPr>
           <p:cNvCxnSpPr>
             <a:cxnSpLocks/>
-            <a:stCxn id="20" idx="3"/>
-            <a:endCxn id="21" idx="1"/>
           </p:cNvCxnSpPr>
           <p:nvPr/>
         </p:nvCxnSpPr>
         <p:spPr>
           <a:xfrm flipV="1">
-            <a:off x="6010160" y="3536340"/>
-            <a:ext cx="1551847" cy="2042"/>
+            <a:off x="5980989" y="3551074"/>
+            <a:ext cx="1581018" cy="2042"/>
           </a:xfrm>
           <a:prstGeom prst="straightConnector1">
             <a:avLst/>
           </a:prstGeom>
           <a:ln w="28575">
             <a:solidFill>
-              <a:schemeClr val="accent2">
-                <a:lumMod val="60000"/>
-                <a:lumOff val="40000"/>
+              <a:schemeClr val="bg1">
+                <a:lumMod val="75000"/>
               </a:schemeClr>
             </a:solidFill>
             <a:tailEnd type="triangle"/>
@@ -8905,15 +8823,13 @@
           </p:cNvPr>
           <p:cNvCxnSpPr>
             <a:cxnSpLocks/>
-            <a:stCxn id="7" idx="2"/>
-            <a:endCxn id="9" idx="0"/>
           </p:cNvCxnSpPr>
           <p:nvPr/>
         </p:nvCxnSpPr>
         <p:spPr>
           <a:xfrm rot="5400000">
-            <a:off x="3832073" y="-1624645"/>
-            <a:ext cx="943920" cy="6534127"/>
+            <a:off x="3834057" y="-1612838"/>
+            <a:ext cx="914452" cy="6539980"/>
           </a:xfrm>
           <a:prstGeom prst="bentConnector3">
             <a:avLst>
@@ -8922,9 +8838,8 @@
           </a:prstGeom>
           <a:ln w="28575">
             <a:solidFill>
-              <a:schemeClr val="accent2">
-                <a:lumMod val="60000"/>
-                <a:lumOff val="40000"/>
+              <a:schemeClr val="bg1">
+                <a:lumMod val="75000"/>
               </a:schemeClr>
             </a:solidFill>
             <a:tailEnd type="triangle"/>
@@ -8956,24 +8871,21 @@
           </p:cNvPr>
           <p:cNvCxnSpPr>
             <a:cxnSpLocks/>
-            <a:stCxn id="9" idx="3"/>
-            <a:endCxn id="10" idx="1"/>
           </p:cNvCxnSpPr>
           <p:nvPr/>
         </p:nvCxnSpPr>
         <p:spPr>
           <a:xfrm>
-            <a:off x="1863124" y="2301664"/>
-            <a:ext cx="665201" cy="0"/>
+            <a:off x="1831771" y="2316398"/>
+            <a:ext cx="696554" cy="0"/>
           </a:xfrm>
           <a:prstGeom prst="straightConnector1">
             <a:avLst/>
           </a:prstGeom>
           <a:ln w="28575">
             <a:solidFill>
-              <a:schemeClr val="accent2">
-                <a:lumMod val="60000"/>
-                <a:lumOff val="40000"/>
+              <a:schemeClr val="bg1">
+                <a:lumMod val="75000"/>
               </a:schemeClr>
             </a:solidFill>
             <a:tailEnd type="triangle"/>
@@ -9008,7 +8920,7 @@
 </file>
 
 <file path=ppt/slides/slide3.xml><?xml version="1.0" encoding="utf-8"?>
-<p:sld xmlns:a="http://schemas.openxmlformats.org/drawingml/2006/main" xmlns:r="http://schemas.openxmlformats.org/officeDocument/2006/relationships" xmlns:p="http://schemas.openxmlformats.org/presentationml/2006/main">
+<p:sld xmlns:a="http://schemas.openxmlformats.org/drawingml/2006/main" xmlns:r="http://schemas.openxmlformats.org/officeDocument/2006/relationships" xmlns:p="http://schemas.openxmlformats.org/presentationml/2006/main" show="0">
   <p:cSld>
     <p:spTree>
       <p:nvGrpSpPr>

--- a/images/process/process.pptx
+++ b/images/process/process.pptx
@@ -3506,7 +3506,7 @@
           <a:p>
             <a:fld id="{189242B5-CB5C-4B11-A48F-2B9A24490117}" type="datetimeFigureOut">
               <a:rPr lang="en-US" smtClean="0"/>
-              <a:t>7/11/2019</a:t>
+              <a:t>7/12/2019</a:t>
             </a:fld>
             <a:endParaRPr lang="en-US"/>
           </a:p>
@@ -3676,7 +3676,7 @@
           <a:p>
             <a:fld id="{189242B5-CB5C-4B11-A48F-2B9A24490117}" type="datetimeFigureOut">
               <a:rPr lang="en-US" smtClean="0"/>
-              <a:t>7/11/2019</a:t>
+              <a:t>7/12/2019</a:t>
             </a:fld>
             <a:endParaRPr lang="en-US"/>
           </a:p>
@@ -3856,7 +3856,7 @@
           <a:p>
             <a:fld id="{189242B5-CB5C-4B11-A48F-2B9A24490117}" type="datetimeFigureOut">
               <a:rPr lang="en-US" smtClean="0"/>
-              <a:t>7/11/2019</a:t>
+              <a:t>7/12/2019</a:t>
             </a:fld>
             <a:endParaRPr lang="en-US"/>
           </a:p>
@@ -4026,7 +4026,7 @@
           <a:p>
             <a:fld id="{189242B5-CB5C-4B11-A48F-2B9A24490117}" type="datetimeFigureOut">
               <a:rPr lang="en-US" smtClean="0"/>
-              <a:t>7/11/2019</a:t>
+              <a:t>7/12/2019</a:t>
             </a:fld>
             <a:endParaRPr lang="en-US"/>
           </a:p>
@@ -4270,7 +4270,7 @@
           <a:p>
             <a:fld id="{189242B5-CB5C-4B11-A48F-2B9A24490117}" type="datetimeFigureOut">
               <a:rPr lang="en-US" smtClean="0"/>
-              <a:t>7/11/2019</a:t>
+              <a:t>7/12/2019</a:t>
             </a:fld>
             <a:endParaRPr lang="en-US"/>
           </a:p>
@@ -4502,7 +4502,7 @@
           <a:p>
             <a:fld id="{189242B5-CB5C-4B11-A48F-2B9A24490117}" type="datetimeFigureOut">
               <a:rPr lang="en-US" smtClean="0"/>
-              <a:t>7/11/2019</a:t>
+              <a:t>7/12/2019</a:t>
             </a:fld>
             <a:endParaRPr lang="en-US"/>
           </a:p>
@@ -4869,7 +4869,7 @@
           <a:p>
             <a:fld id="{189242B5-CB5C-4B11-A48F-2B9A24490117}" type="datetimeFigureOut">
               <a:rPr lang="en-US" smtClean="0"/>
-              <a:t>7/11/2019</a:t>
+              <a:t>7/12/2019</a:t>
             </a:fld>
             <a:endParaRPr lang="en-US"/>
           </a:p>
@@ -4987,7 +4987,7 @@
           <a:p>
             <a:fld id="{189242B5-CB5C-4B11-A48F-2B9A24490117}" type="datetimeFigureOut">
               <a:rPr lang="en-US" smtClean="0"/>
-              <a:t>7/11/2019</a:t>
+              <a:t>7/12/2019</a:t>
             </a:fld>
             <a:endParaRPr lang="en-US"/>
           </a:p>
@@ -5082,7 +5082,7 @@
           <a:p>
             <a:fld id="{189242B5-CB5C-4B11-A48F-2B9A24490117}" type="datetimeFigureOut">
               <a:rPr lang="en-US" smtClean="0"/>
-              <a:t>7/11/2019</a:t>
+              <a:t>7/12/2019</a:t>
             </a:fld>
             <a:endParaRPr lang="en-US"/>
           </a:p>
@@ -5359,7 +5359,7 @@
           <a:p>
             <a:fld id="{189242B5-CB5C-4B11-A48F-2B9A24490117}" type="datetimeFigureOut">
               <a:rPr lang="en-US" smtClean="0"/>
-              <a:t>7/11/2019</a:t>
+              <a:t>7/12/2019</a:t>
             </a:fld>
             <a:endParaRPr lang="en-US"/>
           </a:p>
@@ -5616,7 +5616,7 @@
           <a:p>
             <a:fld id="{189242B5-CB5C-4B11-A48F-2B9A24490117}" type="datetimeFigureOut">
               <a:rPr lang="en-US" smtClean="0"/>
-              <a:t>7/11/2019</a:t>
+              <a:t>7/12/2019</a:t>
             </a:fld>
             <a:endParaRPr lang="en-US"/>
           </a:p>
@@ -5829,7 +5829,7 @@
           <a:p>
             <a:fld id="{189242B5-CB5C-4B11-A48F-2B9A24490117}" type="datetimeFigureOut">
               <a:rPr lang="en-US" smtClean="0"/>
-              <a:t>7/11/2019</a:t>
+              <a:t>7/12/2019</a:t>
             </a:fld>
             <a:endParaRPr lang="en-US"/>
           </a:p>
@@ -7760,7 +7760,7 @@
         </p:nvSpPr>
         <p:spPr>
           <a:xfrm>
-            <a:off x="207753" y="796613"/>
+            <a:off x="308420" y="905670"/>
             <a:ext cx="1415772" cy="404039"/>
           </a:xfrm>
           <a:prstGeom prst="foldedCorner">
@@ -7821,7 +7821,7 @@
         </p:nvSpPr>
         <p:spPr>
           <a:xfrm>
-            <a:off x="3393576" y="711484"/>
+            <a:off x="3494243" y="820541"/>
             <a:ext cx="1669047" cy="587693"/>
           </a:xfrm>
           <a:prstGeom prst="foldedCorner">
@@ -7907,7 +7907,7 @@
         </p:nvSpPr>
         <p:spPr>
           <a:xfrm>
-            <a:off x="6545610" y="795887"/>
+            <a:off x="6646277" y="904944"/>
             <a:ext cx="2031325" cy="404039"/>
           </a:xfrm>
           <a:prstGeom prst="foldedCorner">
@@ -7968,7 +7968,7 @@
         </p:nvSpPr>
         <p:spPr>
           <a:xfrm>
-            <a:off x="210814" y="2114378"/>
+            <a:off x="311481" y="2223435"/>
             <a:ext cx="1620957" cy="404039"/>
           </a:xfrm>
           <a:prstGeom prst="foldedCorner">
@@ -8029,7 +8029,7 @@
         </p:nvSpPr>
         <p:spPr>
           <a:xfrm>
-            <a:off x="2528325" y="2114378"/>
+            <a:off x="2628992" y="2223435"/>
             <a:ext cx="1005403" cy="404039"/>
           </a:xfrm>
           <a:prstGeom prst="foldedCorner">
@@ -8090,7 +8090,7 @@
         </p:nvSpPr>
         <p:spPr>
           <a:xfrm>
-            <a:off x="4228100" y="2114378"/>
+            <a:off x="4328767" y="2223435"/>
             <a:ext cx="1620957" cy="404039"/>
           </a:xfrm>
           <a:prstGeom prst="foldedCorner">
@@ -8151,7 +8151,7 @@
         </p:nvSpPr>
         <p:spPr>
           <a:xfrm>
-            <a:off x="6545611" y="2114378"/>
+            <a:off x="6646278" y="2223435"/>
             <a:ext cx="2031325" cy="404039"/>
           </a:xfrm>
           <a:prstGeom prst="foldedCorner">
@@ -8212,7 +8212,7 @@
         </p:nvSpPr>
         <p:spPr>
           <a:xfrm>
-            <a:off x="207753" y="3349054"/>
+            <a:off x="308420" y="3458111"/>
             <a:ext cx="595035" cy="404039"/>
           </a:xfrm>
           <a:prstGeom prst="foldedCorner">
@@ -8273,7 +8273,7 @@
         </p:nvSpPr>
         <p:spPr>
           <a:xfrm>
-            <a:off x="2389164" y="3349054"/>
+            <a:off x="2489831" y="3458111"/>
             <a:ext cx="1005403" cy="404039"/>
           </a:xfrm>
           <a:prstGeom prst="foldedCorner">
@@ -8334,7 +8334,7 @@
         </p:nvSpPr>
         <p:spPr>
           <a:xfrm>
-            <a:off x="4975586" y="3351096"/>
+            <a:off x="5076253" y="3460153"/>
             <a:ext cx="1005403" cy="404039"/>
           </a:xfrm>
           <a:prstGeom prst="foldedCorner">
@@ -8395,7 +8395,7 @@
         </p:nvSpPr>
         <p:spPr>
           <a:xfrm>
-            <a:off x="7562007" y="3349054"/>
+            <a:off x="7662674" y="3458111"/>
             <a:ext cx="1005403" cy="404039"/>
           </a:xfrm>
           <a:prstGeom prst="foldedCorner">
@@ -8458,7 +8458,7 @@
         </p:nvCxnSpPr>
         <p:spPr>
           <a:xfrm>
-            <a:off x="1623525" y="998633"/>
+            <a:off x="1724192" y="1107690"/>
             <a:ext cx="1770051" cy="6698"/>
           </a:xfrm>
           <a:prstGeom prst="straightConnector1">
@@ -8504,7 +8504,7 @@
         </p:nvCxnSpPr>
         <p:spPr>
           <a:xfrm flipV="1">
-            <a:off x="5062623" y="997907"/>
+            <a:off x="5163290" y="1106964"/>
             <a:ext cx="1482987" cy="7424"/>
           </a:xfrm>
           <a:prstGeom prst="straightConnector1">
@@ -8550,7 +8550,7 @@
         </p:nvCxnSpPr>
         <p:spPr>
           <a:xfrm>
-            <a:off x="3533728" y="2316398"/>
+            <a:off x="3634395" y="2425455"/>
             <a:ext cx="694372" cy="0"/>
           </a:xfrm>
           <a:prstGeom prst="straightConnector1">
@@ -8596,7 +8596,7 @@
         </p:nvCxnSpPr>
         <p:spPr>
           <a:xfrm>
-            <a:off x="5849057" y="2316398"/>
+            <a:off x="5949724" y="2425455"/>
             <a:ext cx="696554" cy="0"/>
           </a:xfrm>
           <a:prstGeom prst="straightConnector1">
@@ -8642,7 +8642,7 @@
         </p:nvCxnSpPr>
         <p:spPr>
           <a:xfrm>
-            <a:off x="802788" y="3551074"/>
+            <a:off x="903455" y="3660131"/>
             <a:ext cx="1586376" cy="0"/>
           </a:xfrm>
           <a:prstGeom prst="straightConnector1">
@@ -8688,7 +8688,7 @@
         </p:nvCxnSpPr>
         <p:spPr>
           <a:xfrm rot="5400000">
-            <a:off x="3617955" y="-594266"/>
+            <a:off x="3718622" y="-485209"/>
             <a:ext cx="830637" cy="7056003"/>
           </a:xfrm>
           <a:prstGeom prst="bentConnector3">
@@ -8736,7 +8736,7 @@
         </p:nvCxnSpPr>
         <p:spPr>
           <a:xfrm>
-            <a:off x="3394567" y="3551074"/>
+            <a:off x="3495234" y="3660131"/>
             <a:ext cx="1581019" cy="2042"/>
           </a:xfrm>
           <a:prstGeom prst="straightConnector1">
@@ -8782,7 +8782,7 @@
         </p:nvCxnSpPr>
         <p:spPr>
           <a:xfrm flipV="1">
-            <a:off x="5980989" y="3551074"/>
+            <a:off x="6081656" y="3660131"/>
             <a:ext cx="1581018" cy="2042"/>
           </a:xfrm>
           <a:prstGeom prst="straightConnector1">
@@ -8828,7 +8828,7 @@
         </p:nvCxnSpPr>
         <p:spPr>
           <a:xfrm rot="5400000">
-            <a:off x="3834057" y="-1612838"/>
+            <a:off x="3934724" y="-1503781"/>
             <a:ext cx="914452" cy="6539980"/>
           </a:xfrm>
           <a:prstGeom prst="bentConnector3">
@@ -8876,7 +8876,7 @@
         </p:nvCxnSpPr>
         <p:spPr>
           <a:xfrm>
-            <a:off x="1831771" y="2316398"/>
+            <a:off x="1932438" y="2425455"/>
             <a:ext cx="696554" cy="0"/>
           </a:xfrm>
           <a:prstGeom prst="straightConnector1">

--- a/images/process/process.pptx
+++ b/images/process/process.pptx
@@ -952,17 +952,17 @@
       </dgm:t>
     </dgm:pt>
     <dgm:pt modelId="{2074401C-9898-44C1-ACA3-E0FA85970571}">
-      <dgm:prSet phldrT="[文本]"/>
+      <dgm:prSet phldrT="[文本]" custT="1"/>
       <dgm:spPr/>
       <dgm:t>
         <a:bodyPr/>
         <a:lstStyle/>
         <a:p>
           <a:r>
-            <a:rPr lang="zh-CN" altLang="en-US" dirty="0"/>
+            <a:rPr lang="zh-CN" altLang="en-US" sz="2800" dirty="0"/>
             <a:t>准备</a:t>
           </a:r>
-          <a:endParaRPr lang="en-US" dirty="0"/>
+          <a:endParaRPr lang="en-US" sz="2800" dirty="0"/>
         </a:p>
       </dgm:t>
     </dgm:pt>
@@ -1036,7 +1036,7 @@
         <a:bodyPr/>
         <a:lstStyle/>
         <a:p>
-          <a:endParaRPr lang="en-US"/>
+          <a:endParaRPr lang="en-US" dirty="0"/>
         </a:p>
       </dgm:t>
     </dgm:pt>
@@ -1137,17 +1137,17 @@
       </dgm:t>
     </dgm:pt>
     <dgm:pt modelId="{759981FC-549C-46BD-B7D0-F9BA5D315A99}">
-      <dgm:prSet phldrT="[文本]"/>
+      <dgm:prSet phldrT="[文本]" custT="1"/>
       <dgm:spPr/>
       <dgm:t>
         <a:bodyPr/>
         <a:lstStyle/>
         <a:p>
           <a:r>
-            <a:rPr lang="zh-CN" altLang="en-US" dirty="0"/>
+            <a:rPr lang="zh-CN" altLang="en-US" sz="2800" dirty="0"/>
             <a:t>报价</a:t>
           </a:r>
-          <a:endParaRPr lang="en-US" dirty="0"/>
+          <a:endParaRPr lang="en-US" sz="2800" dirty="0"/>
         </a:p>
       </dgm:t>
     </dgm:pt>
@@ -1174,17 +1174,17 @@
       </dgm:t>
     </dgm:pt>
     <dgm:pt modelId="{1EEBE92C-2EF7-4B7D-BE89-A0EF57DF9652}">
-      <dgm:prSet phldrT="[文本]"/>
+      <dgm:prSet phldrT="[文本]" custT="1"/>
       <dgm:spPr/>
       <dgm:t>
         <a:bodyPr/>
         <a:lstStyle/>
         <a:p>
           <a:r>
-            <a:rPr lang="zh-CN" altLang="en-US" dirty="0"/>
+            <a:rPr lang="zh-CN" altLang="en-US" sz="2800" dirty="0"/>
             <a:t>签订合同</a:t>
           </a:r>
-          <a:endParaRPr lang="en-US" dirty="0"/>
+          <a:endParaRPr lang="en-US" sz="2800" dirty="0"/>
         </a:p>
       </dgm:t>
     </dgm:pt>
@@ -1542,12 +1542,12 @@
         </a:fontRef>
       </dsp:style>
       <dsp:txBody>
-        <a:bodyPr spcFirstLastPara="0" vert="horz" wrap="square" lIns="0" tIns="133731" rIns="0" bIns="0" numCol="1" spcCol="1270" anchor="t" anchorCtr="0">
+        <a:bodyPr spcFirstLastPara="0" vert="horz" wrap="square" lIns="0" tIns="96012" rIns="0" bIns="0" numCol="1" spcCol="1270" anchor="t" anchorCtr="0">
           <a:noAutofit/>
         </a:bodyPr>
         <a:lstStyle/>
         <a:p>
-          <a:pPr marL="0" lvl="0" indent="0" algn="l" defTabSz="1733550">
+          <a:pPr marL="0" lvl="0" indent="0" algn="l" defTabSz="1244600">
             <a:lnSpc>
               <a:spcPct val="90000"/>
             </a:lnSpc>
@@ -1560,13 +1560,13 @@
             <a:buNone/>
           </a:pPr>
           <a:r>
-            <a:rPr lang="zh-CN" altLang="en-US" sz="3900" kern="1200" dirty="0"/>
+            <a:rPr lang="zh-CN" altLang="en-US" sz="2800" kern="1200" dirty="0"/>
             <a:t>准备</a:t>
           </a:r>
-          <a:endParaRPr lang="en-US" sz="3900" kern="1200" dirty="0"/>
+          <a:endParaRPr lang="en-US" sz="2800" kern="1200" dirty="0"/>
         </a:p>
         <a:p>
-          <a:pPr marL="0" lvl="0" indent="0" algn="l" defTabSz="1733550">
+          <a:pPr marL="0" lvl="0" indent="0" algn="l" defTabSz="1244600">
             <a:lnSpc>
               <a:spcPct val="90000"/>
             </a:lnSpc>
@@ -1579,13 +1579,13 @@
             <a:buNone/>
           </a:pPr>
           <a:r>
-            <a:rPr lang="zh-CN" altLang="en-US" sz="3900" kern="1200" dirty="0"/>
+            <a:rPr lang="zh-CN" altLang="en-US" sz="2800" kern="1200" dirty="0"/>
             <a:t>报价</a:t>
           </a:r>
-          <a:endParaRPr lang="en-US" sz="3900" kern="1200" dirty="0"/>
+          <a:endParaRPr lang="en-US" sz="2800" kern="1200" dirty="0"/>
         </a:p>
         <a:p>
-          <a:pPr marL="0" lvl="0" indent="0" algn="l" defTabSz="1733550">
+          <a:pPr marL="0" lvl="0" indent="0" algn="l" defTabSz="1244600">
             <a:lnSpc>
               <a:spcPct val="90000"/>
             </a:lnSpc>
@@ -1598,10 +1598,10 @@
             <a:buNone/>
           </a:pPr>
           <a:r>
-            <a:rPr lang="zh-CN" altLang="en-US" sz="3900" kern="1200" dirty="0"/>
+            <a:rPr lang="zh-CN" altLang="en-US" sz="2800" kern="1200" dirty="0"/>
             <a:t>签订合同</a:t>
           </a:r>
-          <a:endParaRPr lang="en-US" sz="3900" kern="1200" dirty="0"/>
+          <a:endParaRPr lang="en-US" sz="2800" kern="1200" dirty="0"/>
         </a:p>
       </dsp:txBody>
       <dsp:txXfrm>
@@ -1779,12 +1779,12 @@
         </a:fontRef>
       </dsp:style>
       <dsp:txBody>
-        <a:bodyPr spcFirstLastPara="0" vert="horz" wrap="square" lIns="0" tIns="133731" rIns="0" bIns="0" numCol="1" spcCol="1270" anchor="t" anchorCtr="0">
+        <a:bodyPr spcFirstLastPara="0" vert="horz" wrap="square" lIns="0" tIns="222885" rIns="0" bIns="0" numCol="1" spcCol="1270" anchor="t" anchorCtr="0">
           <a:noAutofit/>
         </a:bodyPr>
         <a:lstStyle/>
         <a:p>
-          <a:pPr marL="0" lvl="0" indent="0" algn="l" defTabSz="1733550">
+          <a:pPr marL="0" lvl="0" indent="0" algn="l" defTabSz="2889250">
             <a:lnSpc>
               <a:spcPct val="90000"/>
             </a:lnSpc>
@@ -1796,7 +1796,7 @@
             </a:spcAft>
             <a:buNone/>
           </a:pPr>
-          <a:endParaRPr lang="en-US" sz="3900" kern="1200"/>
+          <a:endParaRPr lang="en-US" sz="6500" kern="1200"/>
         </a:p>
       </dsp:txBody>
       <dsp:txXfrm>
@@ -1974,12 +1974,12 @@
         </a:fontRef>
       </dsp:style>
       <dsp:txBody>
-        <a:bodyPr spcFirstLastPara="0" vert="horz" wrap="square" lIns="0" tIns="133731" rIns="0" bIns="0" numCol="1" spcCol="1270" anchor="t" anchorCtr="0">
+        <a:bodyPr spcFirstLastPara="0" vert="horz" wrap="square" lIns="0" tIns="222885" rIns="0" bIns="0" numCol="1" spcCol="1270" anchor="t" anchorCtr="0">
           <a:noAutofit/>
         </a:bodyPr>
         <a:lstStyle/>
         <a:p>
-          <a:pPr marL="0" lvl="0" indent="0" algn="l" defTabSz="1733550">
+          <a:pPr marL="0" lvl="0" indent="0" algn="l" defTabSz="2889250">
             <a:lnSpc>
               <a:spcPct val="90000"/>
             </a:lnSpc>
@@ -1991,7 +1991,7 @@
             </a:spcAft>
             <a:buNone/>
           </a:pPr>
-          <a:endParaRPr lang="en-US" sz="3900" kern="1200"/>
+          <a:endParaRPr lang="en-US" sz="6500" kern="1200"/>
         </a:p>
       </dsp:txBody>
       <dsp:txXfrm>
@@ -8280,7 +8280,7 @@
             <a:avLst/>
           </a:prstGeom>
           <a:solidFill>
-            <a:srgbClr val="FFDB69"/>
+            <a:srgbClr val="FFC000"/>
           </a:solidFill>
           <a:ln>
             <a:noFill/>
@@ -8341,7 +8341,7 @@
             <a:avLst/>
           </a:prstGeom>
           <a:solidFill>
-            <a:srgbClr val="FFDB69"/>
+            <a:srgbClr val="FFC000"/>
           </a:solidFill>
           <a:ln>
             <a:noFill/>
@@ -8402,7 +8402,7 @@
             <a:avLst/>
           </a:prstGeom>
           <a:solidFill>
-            <a:srgbClr val="FFDB69"/>
+            <a:srgbClr val="FFC000"/>
           </a:solidFill>
           <a:ln>
             <a:noFill/>
@@ -8985,7 +8985,7 @@
             <p:ph idx="1"/>
             <p:extLst>
               <p:ext uri="{D42A27DB-BD31-4B8C-83A1-F6EECF244321}">
-                <p14:modId xmlns:p14="http://schemas.microsoft.com/office/powerpoint/2010/main" val="2342217849"/>
+                <p14:modId xmlns:p14="http://schemas.microsoft.com/office/powerpoint/2010/main" val="2420180926"/>
               </p:ext>
             </p:extLst>
           </p:nvPr>
